--- a/powerpoint-template/trusthlt-slides-example1.pptx
+++ b/powerpoint-template/trusthlt-slides-example1.pptx
@@ -336,7 +336,6 @@
     </p:spTree>
   </p:cSld>
   <p:clrMap bg1="lt1" tx1="dk1" bg2="lt2" tx2="dk2" accent1="accent1" accent2="accent2" accent3="accent3" accent4="accent4" accent5="accent5" accent6="accent6" hlink="hlink" folHlink="folHlink"/>
-  <p:hf dt="0" ftr="0" hdr="0" sldNum="1"/>
   <p:notesStyle>
     <a:lvl1pPr marL="0" algn="l" defTabSz="914400">
       <a:defRPr sz="1200">
@@ -501,7 +500,7 @@
             <a:pPr>
               <a:defRPr/>
             </a:pPr>
-            <a:fld id="{CB172ADA-1C45-E0CC-FD1B-538B2D9D2931}" type="slidenum">
+            <a:fld id="{CED18BFA-C7D9-FF37-A266-BFA923BAA5A0}" type="slidenum">
               <a:rPr/>
               <a:t/>
             </a:fld>
@@ -586,7 +585,7 @@
             <a:pPr>
               <a:defRPr/>
             </a:pPr>
-            <a:fld id="{3DCA4F59-5902-84C5-526C-B10D320CDFC0}" type="slidenum">
+            <a:fld id="{9B7EA9DC-D5C8-6170-9A84-CEC2ED290BB9}" type="slidenum">
               <a:rPr/>
               <a:t/>
             </a:fld>
@@ -621,7 +620,7 @@
       </p:grpSpPr>
       <p:sp>
         <p:nvSpPr>
-          <p:cNvPr id="945339007" name="Title 1"/>
+          <p:cNvPr id="1322852767" name="Title 1"/>
           <p:cNvSpPr>
             <a:spLocks noGrp="1"/>
           </p:cNvSpPr>
@@ -682,7 +681,7 @@
       </p:sp>
       <p:sp>
         <p:nvSpPr>
-          <p:cNvPr id="1777446579" name="Subtitle 2"/>
+          <p:cNvPr id="455043742" name="Subtitle 2"/>
           <p:cNvSpPr>
             <a:spLocks noGrp="1"/>
           </p:cNvSpPr>
@@ -786,7 +785,7 @@
       </p:sp>
       <p:pic>
         <p:nvPicPr>
-          <p:cNvPr id="1092512608" name=""/>
+          <p:cNvPr id="1142675236" name=""/>
           <p:cNvPicPr>
             <a:picLocks noChangeAspect="1"/>
           </p:cNvPicPr>
@@ -804,17 +803,91 @@
         </p:blipFill>
         <p:spPr bwMode="auto">
           <a:xfrm flipH="0" flipV="0">
-            <a:off x="10137744" y="4588485"/>
-            <a:ext cx="1807090" cy="593918"/>
+            <a:off x="8811562" y="6228746"/>
+            <a:ext cx="3133273" cy="290341"/>
           </a:xfrm>
           <a:prstGeom prst="rect">
             <a:avLst/>
           </a:prstGeom>
         </p:spPr>
       </p:pic>
+      <p:sp>
+        <p:nvSpPr>
+          <p:cNvPr id="768534249" name=""/>
+          <p:cNvSpPr txBox="1"/>
+          <p:nvPr/>
+        </p:nvSpPr>
+        <p:spPr bwMode="auto">
+          <a:xfrm rot="0" flipH="0" flipV="0">
+            <a:off x="390523" y="5695767"/>
+            <a:ext cx="7451660" cy="823319"/>
+          </a:xfrm>
+          <a:prstGeom prst="rect">
+            <a:avLst/>
+          </a:prstGeom>
+          <a:noFill/>
+        </p:spPr>
+        <p:txBody>
+          <a:bodyPr vertOverflow="overflow" horzOverflow="overflow" vert="horz" wrap="square" lIns="91440" tIns="45720" rIns="91440" bIns="45720" numCol="1" spcCol="0" rtlCol="0" fromWordArt="0" anchor="t" anchorCtr="0" forceAA="0" upright="0" compatLnSpc="0">
+            <a:spAutoFit/>
+          </a:bodyPr>
+          <a:p>
+            <a:pPr>
+              <a:defRPr/>
+            </a:pPr>
+            <a:r>
+              <a:rPr sz="1600">
+                <a:latin typeface="RubFlama Light"/>
+                <a:ea typeface="RubFlama Light"/>
+                <a:cs typeface="RubFlama Light"/>
+              </a:rPr>
+              <a:t>www.trusthlt.org</a:t>
+            </a:r>
+            <a:endParaRPr sz="1600">
+              <a:latin typeface="RubFlama Light"/>
+              <a:cs typeface="RubFlama Light"/>
+            </a:endParaRPr>
+          </a:p>
+          <a:p>
+            <a:pPr>
+              <a:defRPr/>
+            </a:pPr>
+            <a:r>
+              <a:rPr sz="1600">
+                <a:latin typeface="RubFlama Light"/>
+                <a:ea typeface="RubFlama Light"/>
+                <a:cs typeface="RubFlama Light"/>
+              </a:rPr>
+              <a:t>Chair of Trustworthy Human Language Technologies (TrustHLT)</a:t>
+            </a:r>
+            <a:endParaRPr sz="1600">
+              <a:latin typeface="RubFlama Light"/>
+              <a:ea typeface="RubFlama Light"/>
+              <a:cs typeface="RubFlama Light"/>
+            </a:endParaRPr>
+          </a:p>
+          <a:p>
+            <a:pPr>
+              <a:defRPr/>
+            </a:pPr>
+            <a:r>
+              <a:rPr sz="1600">
+                <a:latin typeface="RubFlama Light"/>
+                <a:ea typeface="RubFlama Light"/>
+                <a:cs typeface="RubFlama Light"/>
+              </a:rPr>
+              <a:t>Ruhr University Bochu &amp; Research Center Trustworthy Data Science and Security</a:t>
+            </a:r>
+            <a:endParaRPr sz="1600">
+              <a:latin typeface="RubFlama Light"/>
+              <a:cs typeface="RubFlama Light"/>
+            </a:endParaRPr>
+          </a:p>
+        </p:txBody>
+      </p:sp>
       <p:pic>
         <p:nvPicPr>
-          <p:cNvPr id="1006809741" name=""/>
+          <p:cNvPr id="514587850" name=""/>
           <p:cNvPicPr>
             <a:picLocks noChangeAspect="1"/>
           </p:cNvPicPr>
@@ -832,91 +905,17 @@
         </p:blipFill>
         <p:spPr bwMode="auto">
           <a:xfrm flipH="0" flipV="0">
-            <a:off x="8811562" y="6228746"/>
-            <a:ext cx="3133273" cy="290341"/>
+            <a:off x="9397716" y="5452062"/>
+            <a:ext cx="2547119" cy="487410"/>
           </a:xfrm>
           <a:prstGeom prst="rect">
             <a:avLst/>
           </a:prstGeom>
         </p:spPr>
       </p:pic>
-      <p:sp>
-        <p:nvSpPr>
-          <p:cNvPr id="1391150167" name=""/>
-          <p:cNvSpPr txBox="1"/>
-          <p:nvPr/>
-        </p:nvSpPr>
-        <p:spPr bwMode="auto">
-          <a:xfrm rot="0" flipH="0" flipV="0">
-            <a:off x="390523" y="5695767"/>
-            <a:ext cx="7451660" cy="823319"/>
-          </a:xfrm>
-          <a:prstGeom prst="rect">
-            <a:avLst/>
-          </a:prstGeom>
-          <a:noFill/>
-        </p:spPr>
-        <p:txBody>
-          <a:bodyPr vertOverflow="overflow" horzOverflow="overflow" vert="horz" wrap="square" lIns="91440" tIns="45720" rIns="91440" bIns="45720" numCol="1" spcCol="0" rtlCol="0" fromWordArt="0" anchor="t" anchorCtr="0" forceAA="0" upright="0" compatLnSpc="0">
-            <a:spAutoFit/>
-          </a:bodyPr>
-          <a:p>
-            <a:pPr>
-              <a:defRPr/>
-            </a:pPr>
-            <a:r>
-              <a:rPr sz="1600">
-                <a:latin typeface="RubFlama Light"/>
-                <a:ea typeface="RubFlama Light"/>
-                <a:cs typeface="RubFlama Light"/>
-              </a:rPr>
-              <a:t>www.trusthlt.org</a:t>
-            </a:r>
-            <a:endParaRPr sz="1600">
-              <a:latin typeface="RubFlama Light"/>
-              <a:cs typeface="RubFlama Light"/>
-            </a:endParaRPr>
-          </a:p>
-          <a:p>
-            <a:pPr>
-              <a:defRPr/>
-            </a:pPr>
-            <a:r>
-              <a:rPr sz="1600">
-                <a:latin typeface="RubFlama Light"/>
-                <a:ea typeface="RubFlama Light"/>
-                <a:cs typeface="RubFlama Light"/>
-              </a:rPr>
-              <a:t>Chair of Trustworthy Human Language Technologies (TrustHLT)</a:t>
-            </a:r>
-            <a:endParaRPr sz="1600">
-              <a:latin typeface="RubFlama Light"/>
-              <a:ea typeface="RubFlama Light"/>
-              <a:cs typeface="RubFlama Light"/>
-            </a:endParaRPr>
-          </a:p>
-          <a:p>
-            <a:pPr>
-              <a:defRPr/>
-            </a:pPr>
-            <a:r>
-              <a:rPr sz="1600">
-                <a:latin typeface="RubFlama Light"/>
-                <a:ea typeface="RubFlama Light"/>
-                <a:cs typeface="RubFlama Light"/>
-              </a:rPr>
-              <a:t>Ruhr University Bochu &amp; Research Center Trustworthy Data Science and Security</a:t>
-            </a:r>
-            <a:endParaRPr sz="1600">
-              <a:latin typeface="RubFlama Light"/>
-              <a:cs typeface="RubFlama Light"/>
-            </a:endParaRPr>
-          </a:p>
-        </p:txBody>
-      </p:sp>
       <p:pic>
         <p:nvPicPr>
-          <p:cNvPr id="714464555" name=""/>
+          <p:cNvPr id="1415915008" name=""/>
           <p:cNvPicPr>
             <a:picLocks noChangeAspect="1"/>
           </p:cNvPicPr>
@@ -934,8 +933,8 @@
         </p:blipFill>
         <p:spPr bwMode="auto">
           <a:xfrm flipH="0" flipV="0">
-            <a:off x="9397716" y="5452062"/>
-            <a:ext cx="2547119" cy="487410"/>
+            <a:off x="9597351" y="4314825"/>
+            <a:ext cx="2347483" cy="771524"/>
           </a:xfrm>
           <a:prstGeom prst="rect">
             <a:avLst/>
@@ -969,7 +968,7 @@
       </p:grpSpPr>
       <p:sp>
         <p:nvSpPr>
-          <p:cNvPr id="892592602" name="Title 1"/>
+          <p:cNvPr id="1227626079" name="Title 1"/>
           <p:cNvSpPr>
             <a:spLocks noGrp="1"/>
           </p:cNvSpPr>
@@ -995,7 +994,7 @@
       </p:sp>
       <p:sp>
         <p:nvSpPr>
-          <p:cNvPr id="2130199640" name="Content Placeholder 2"/>
+          <p:cNvPr id="661894908" name="Content Placeholder 2"/>
           <p:cNvSpPr>
             <a:spLocks noGrp="1"/>
           </p:cNvSpPr>
@@ -1061,7 +1060,7 @@
       </p:sp>
       <p:sp>
         <p:nvSpPr>
-          <p:cNvPr id="1673124077" name="Footer Placeholder 4"/>
+          <p:cNvPr id="814828717" name="Footer Placeholder 4"/>
           <p:cNvSpPr>
             <a:spLocks noGrp="1"/>
           </p:cNvSpPr>
@@ -1079,7 +1078,7 @@
             </a:pPr>
             <a:r>
               <a:rPr/>
-              <a:t>Dr. John Doe | Some fancy title of my presentation</a:t>
+              <a:t>Dr. John Doe: Mid term talk</a:t>
             </a:r>
             <a:endParaRPr/>
           </a:p>
@@ -1087,7 +1086,7 @@
       </p:sp>
       <p:sp>
         <p:nvSpPr>
-          <p:cNvPr id="1579401942" name="Slide Number Placeholder 5"/>
+          <p:cNvPr id="584857845" name="Slide Number Placeholder 5"/>
           <p:cNvSpPr>
             <a:spLocks noGrp="1"/>
           </p:cNvSpPr>
@@ -1113,7 +1112,7 @@
       </p:sp>
       <p:sp>
         <p:nvSpPr>
-          <p:cNvPr id="2091008488" name="Content Placeholder 7"/>
+          <p:cNvPr id="1087835501" name="Content Placeholder 7"/>
           <p:cNvSpPr>
             <a:spLocks noGrp="1"/>
           </p:cNvSpPr>
@@ -1237,7 +1236,7 @@
       </p:sp>
       <p:sp>
         <p:nvSpPr>
-          <p:cNvPr id="890320397" name=""/>
+          <p:cNvPr id="1734605054" name=""/>
           <p:cNvSpPr txBox="1"/>
           <p:nvPr/>
         </p:nvSpPr>
@@ -1292,7 +1291,7 @@
       </p:sp>
       <p:pic>
         <p:nvPicPr>
-          <p:cNvPr id="1249739912" name=""/>
+          <p:cNvPr id="1386997680" name=""/>
           <p:cNvPicPr>
             <a:picLocks noChangeAspect="1"/>
           </p:cNvPicPr>
@@ -1350,7 +1349,7 @@
       </p:grpSpPr>
       <p:sp>
         <p:nvSpPr>
-          <p:cNvPr id="120093101" name="Title Placeholder 1"/>
+          <p:cNvPr id="1549334231" name="Title Placeholder 1"/>
           <p:cNvSpPr>
             <a:spLocks noGrp="1"/>
           </p:cNvSpPr>
@@ -1477,7 +1476,7 @@
       </p:sp>
       <p:sp>
         <p:nvSpPr>
-          <p:cNvPr id="561489065" name="Text Placeholder 2"/>
+          <p:cNvPr id="845402613" name="Text Placeholder 2"/>
           <p:cNvSpPr>
             <a:spLocks noGrp="1"/>
           </p:cNvSpPr>
@@ -1587,7 +1586,7 @@
       </p:sp>
       <p:sp>
         <p:nvSpPr>
-          <p:cNvPr id="1372354919" name="Footer Placeholder 4"/>
+          <p:cNvPr id="1942908782" name="Footer Placeholder 4"/>
           <p:cNvSpPr>
             <a:spLocks noGrp="1"/>
           </p:cNvSpPr>
@@ -1704,7 +1703,7 @@
             </a:pPr>
             <a:r>
               <a:rPr/>
-              <a:t>Dr. John Doe | Some fancy title of my presentation</a:t>
+              <a:t>Dr. John Doe: Mid term talk</a:t>
             </a:r>
             <a:endParaRPr/>
           </a:p>
@@ -1712,7 +1711,7 @@
       </p:sp>
       <p:sp>
         <p:nvSpPr>
-          <p:cNvPr id="1233288508" name="Slide Number Placeholder 5"/>
+          <p:cNvPr id="2140012337" name="Slide Number Placeholder 5"/>
           <p:cNvSpPr>
             <a:spLocks noGrp="1"/>
           </p:cNvSpPr>
@@ -2145,7 +2144,7 @@
       </p:grpSpPr>
       <p:sp>
         <p:nvSpPr>
-          <p:cNvPr id="2100900397" name="Title 1"/>
+          <p:cNvPr id="749157894" name="Title 1"/>
           <p:cNvSpPr>
             <a:spLocks noGrp="1"/>
           </p:cNvSpPr>
@@ -2195,16 +2194,23 @@
               <a:defRPr/>
             </a:pPr>
             <a:r>
-              <a:rPr/>
+              <a:rPr lang="en-US" sz="4800" b="1" i="0" u="none" strike="noStrike" cap="none" spc="0">
+                <a:solidFill>
+                  <a:srgbClr val="003860"/>
+                </a:solidFill>
+                <a:latin typeface="RubFlama"/>
+                <a:ea typeface="RubFlama"/>
+                <a:cs typeface="RubFlama"/>
+              </a:rPr>
               <a:t>Some fancy title of my presentation</a:t>
             </a:r>
-            <a:endParaRPr/>
+            <a:endParaRPr sz="4800"/>
           </a:p>
         </p:txBody>
       </p:sp>
       <p:sp>
         <p:nvSpPr>
-          <p:cNvPr id="1694948841" name="Subtitle 2"/>
+          <p:cNvPr id="69273816" name="Subtitle 2"/>
           <p:cNvSpPr>
             <a:spLocks noGrp="1"/>
           </p:cNvSpPr>
@@ -2301,27 +2307,60 @@
               <a:defRPr/>
             </a:pPr>
             <a:r>
-              <a:rPr/>
+              <a:rPr lang="en-US" sz="2800" b="0" i="0" u="none" strike="noStrike" cap="none" spc="0">
+                <a:solidFill>
+                  <a:srgbClr val="8DAE10"/>
+                </a:solidFill>
+                <a:latin typeface="RubFlama Light"/>
+                <a:ea typeface="RubFlama Light"/>
+                <a:cs typeface="RubFlama Light"/>
+              </a:rPr>
               <a:t>Dr. John Doe</a:t>
             </a:r>
-            <a:endParaRPr/>
+            <a:endParaRPr lang="en-US" sz="2800" b="0" i="0" u="none" strike="noStrike" cap="none" spc="0">
+              <a:solidFill>
+                <a:srgbClr val="8DAE10"/>
+              </a:solidFill>
+              <a:latin typeface="RubFlama Light"/>
+              <a:cs typeface="RubFlama Light"/>
+            </a:endParaRPr>
           </a:p>
           <a:p>
             <a:pPr>
               <a:defRPr/>
             </a:pPr>
             <a:r>
-              <a:rPr/>
+              <a:rPr lang="en-US" sz="2800" b="0" i="0" u="none" strike="noStrike" cap="none" spc="0">
+                <a:solidFill>
+                  <a:srgbClr val="8DAE10"/>
+                </a:solidFill>
+                <a:latin typeface="RubFlama Light"/>
+                <a:ea typeface="RubFlama Light"/>
+                <a:cs typeface="RubFlama Light"/>
+              </a:rPr>
               <a:t>November 29, 2029</a:t>
             </a:r>
-            <a:endParaRPr/>
+            <a:endParaRPr lang="en-US" sz="2800" b="0" i="0" u="none" strike="noStrike" cap="none" spc="0">
+              <a:solidFill>
+                <a:srgbClr val="8DAE10"/>
+              </a:solidFill>
+              <a:latin typeface="RubFlama Light"/>
+              <a:cs typeface="RubFlama Light"/>
+            </a:endParaRPr>
           </a:p>
           <a:p>
             <a:pPr>
               <a:defRPr/>
             </a:pPr>
             <a:r>
-              <a:rPr/>
+              <a:rPr lang="en-US" sz="2800" b="0" i="0" u="none" strike="noStrike" cap="none" spc="0">
+                <a:solidFill>
+                  <a:srgbClr val="8DAE10"/>
+                </a:solidFill>
+                <a:latin typeface="RubFlama Light"/>
+                <a:ea typeface="RubFlama Light"/>
+                <a:cs typeface="RubFlama Light"/>
+              </a:rPr>
               <a:t>ACL conference, Bochum</a:t>
             </a:r>
             <a:endParaRPr/>
@@ -2363,7 +2402,7 @@
       </p:grpSpPr>
       <p:sp>
         <p:nvSpPr>
-          <p:cNvPr id="999825389" name="Title 1"/>
+          <p:cNvPr id="1090381" name="Title 1"/>
           <p:cNvSpPr>
             <a:spLocks noGrp="1"/>
           </p:cNvSpPr>
@@ -2380,7 +2419,14 @@
               <a:defRPr/>
             </a:pPr>
             <a:r>
-              <a:rPr/>
+              <a:rPr lang="en-US" sz="3000" b="1" i="0" u="none" strike="noStrike" cap="none" spc="0">
+                <a:solidFill>
+                  <a:srgbClr val="003860"/>
+                </a:solidFill>
+                <a:latin typeface="RubFlama"/>
+                <a:ea typeface="RubFlama"/>
+                <a:cs typeface="RubFlama"/>
+              </a:rPr>
               <a:t>Title of the first slide</a:t>
             </a:r>
             <a:endParaRPr/>
@@ -2389,7 +2435,7 @@
       </p:sp>
       <p:sp>
         <p:nvSpPr>
-          <p:cNvPr id="885444095" name="Content Placeholder 2"/>
+          <p:cNvPr id="2003994694" name="Content Placeholder 2"/>
           <p:cNvSpPr>
             <a:spLocks noGrp="1"/>
           </p:cNvSpPr>
@@ -2406,27 +2452,60 @@
               <a:defRPr/>
             </a:pPr>
             <a:r>
-              <a:rPr/>
+              <a:rPr lang="en-US" sz="2400" b="0" i="0" u="none" strike="noStrike" cap="none" spc="0">
+                <a:solidFill>
+                  <a:schemeClr val="tx1"/>
+                </a:solidFill>
+                <a:latin typeface="RubFlama Light"/>
+                <a:ea typeface="RubFlama Light"/>
+                <a:cs typeface="RubFlama Light"/>
+              </a:rPr>
               <a:t>Some bullet points or similar</a:t>
             </a:r>
-            <a:endParaRPr/>
+            <a:endParaRPr lang="en-US" sz="2400" b="0" i="0" u="none" strike="noStrike" cap="none" spc="0">
+              <a:solidFill>
+                <a:schemeClr val="tx1"/>
+              </a:solidFill>
+              <a:latin typeface="RubFlama Light"/>
+              <a:cs typeface="RubFlama Light"/>
+            </a:endParaRPr>
           </a:p>
           <a:p>
             <a:pPr>
               <a:defRPr/>
             </a:pPr>
             <a:r>
-              <a:rPr/>
+              <a:rPr lang="en-US" sz="2400" b="0" i="0" u="none" strike="noStrike" cap="none" spc="0">
+                <a:solidFill>
+                  <a:schemeClr val="tx1"/>
+                </a:solidFill>
+                <a:latin typeface="RubFlama Light"/>
+                <a:ea typeface="RubFlama Light"/>
+                <a:cs typeface="RubFlama Light"/>
+              </a:rPr>
               <a:t>We use the right panel for references (Senge et al., 2022)</a:t>
             </a:r>
-            <a:endParaRPr/>
+            <a:endParaRPr lang="en-US" sz="2400" b="0" i="0" u="none" strike="noStrike" cap="none" spc="0">
+              <a:solidFill>
+                <a:schemeClr val="tx1"/>
+              </a:solidFill>
+              <a:latin typeface="RubFlama Light"/>
+              <a:cs typeface="RubFlama Light"/>
+            </a:endParaRPr>
           </a:p>
           <a:p>
             <a:pPr>
               <a:defRPr/>
             </a:pPr>
             <a:r>
-              <a:rPr/>
+              <a:rPr lang="en-US" sz="2400" b="0" i="0" u="none" strike="noStrike" cap="none" spc="0">
+                <a:solidFill>
+                  <a:schemeClr val="tx1"/>
+                </a:solidFill>
+                <a:latin typeface="RubFlama Light"/>
+                <a:ea typeface="RubFlama Light"/>
+                <a:cs typeface="RubFlama Light"/>
+              </a:rPr>
               <a:t>Use the footer for name &amp; title talk, do not change the master slides</a:t>
             </a:r>
             <a:endParaRPr/>
@@ -2435,7 +2514,7 @@
       </p:sp>
       <p:sp>
         <p:nvSpPr>
-          <p:cNvPr id="1271077320" name="Footer Placeholder 4"/>
+          <p:cNvPr id="41482474" name="Footer Placeholder 4"/>
           <p:cNvSpPr>
             <a:spLocks noGrp="1"/>
           </p:cNvSpPr>
@@ -2453,7 +2532,7 @@
             </a:pPr>
             <a:r>
               <a:rPr/>
-              <a:t>Dr. John Doe | Some fancy title of my presentation</a:t>
+              <a:t>Dr. John Doe: Mid term talk</a:t>
             </a:r>
             <a:endParaRPr/>
           </a:p>
@@ -2461,7 +2540,7 @@
       </p:sp>
       <p:sp>
         <p:nvSpPr>
-          <p:cNvPr id="693379780" name="Slide Number Placeholder 5"/>
+          <p:cNvPr id="860851411" name="Slide Number Placeholder 5"/>
           <p:cNvSpPr>
             <a:spLocks noGrp="1"/>
           </p:cNvSpPr>
@@ -2477,7 +2556,7 @@
             <a:pPr>
               <a:defRPr/>
             </a:pPr>
-            <a:fld id="{220BE66C-DD51-0CA4-58EE-A1CB394AE479}" type="slidenum">
+            <a:fld id="{45E694E7-1547-8E5D-8459-0C897E88D7B4}" type="slidenum">
               <a:rPr lang="en-US"/>
               <a:t/>
             </a:fld>
@@ -2487,7 +2566,7 @@
       </p:sp>
       <p:sp>
         <p:nvSpPr>
-          <p:cNvPr id="1366075384" name="Content Placeholder 7"/>
+          <p:cNvPr id="1258888457" name="Content Placeholder 7"/>
           <p:cNvSpPr>
             <a:spLocks noGrp="1"/>
           </p:cNvSpPr>
